--- a/Moovit_Alex/grupo1_moovit.pptx
+++ b/Moovit_Alex/grupo1_moovit.pptx
@@ -271,6 +271,11 @@
       </a:defRPr>
     </a:lvl9pPr>
   </p:defaultTextStyle>
+  <p:extLst>
+    <p:ext uri="{EFAFB233-063F-42B5-8137-9DF3F51BA10A}">
+      <p15:sldGuideLst xmlns:p15="http://schemas.microsoft.com/office/powerpoint/2012/main"/>
+    </p:ext>
+  </p:extLst>
 </p:presentation>
 </file>
 
@@ -3072,10 +3077,10 @@
           <a:p>
             <a:pPr lvl="0"/>
             <a:r>
-              <a:rPr lang="pt-BR" dirty="0"/>
+              <a:rPr lang="pt-BR" b="1" dirty="0"/>
               <a:t>Análise Funcionalidades Moovit</a:t>
             </a:r>
-            <a:endParaRPr dirty="0"/>
+            <a:endParaRPr b="1" dirty="0"/>
           </a:p>
         </p:txBody>
       </p:sp>
@@ -3605,102 +3610,12 @@
           </a:p>
         </p:txBody>
       </p:sp>
-      <p:sp>
-        <p:nvSpPr>
-          <p:cNvPr id="3" name="Espaço Reservado para Conteúdo 2">
+      <p:pic>
+        <p:nvPicPr>
+          <p:cNvPr id="8" name="Imagem 7" descr="Tela de celular com texto preto sobre fundo branco&#10;&#10;Descrição gerada automaticamente">
             <a:extLst>
               <a:ext uri="{FF2B5EF4-FFF2-40B4-BE49-F238E27FC236}">
-                <a16:creationId xmlns:a16="http://schemas.microsoft.com/office/drawing/2014/main" id="{BC4FE5AF-FEF3-4FC3-9F11-871A843421F0}"/>
-              </a:ext>
-            </a:extLst>
-          </p:cNvPr>
-          <p:cNvSpPr>
-            <a:spLocks noGrp="1"/>
-          </p:cNvSpPr>
-          <p:nvPr>
-            <p:ph idx="1"/>
-          </p:nvPr>
-        </p:nvSpPr>
-        <p:spPr>
-          <a:xfrm>
-            <a:off x="6011466" y="1369219"/>
-            <a:ext cx="2503884" cy="3263504"/>
-          </a:xfrm>
-        </p:spPr>
-        <p:txBody>
-          <a:bodyPr>
-            <a:normAutofit/>
-          </a:bodyPr>
-          <a:lstStyle/>
-          <a:p>
-            <a:r>
-              <a:rPr lang="pt-BR" dirty="0"/>
-              <a:t>Considerações:</a:t>
-            </a:r>
-          </a:p>
-          <a:p>
-            <a:pPr marL="0" indent="0">
-              <a:buNone/>
-            </a:pPr>
-            <a:r>
-              <a:rPr lang="pt-BR" dirty="0"/>
-              <a:t> 1 – O atributo Carro da classe </a:t>
-            </a:r>
-            <a:r>
-              <a:rPr lang="pt-BR" dirty="0" err="1"/>
-              <a:t>tipoTransporte</a:t>
-            </a:r>
-            <a:r>
-              <a:rPr lang="pt-BR" dirty="0"/>
-              <a:t>, </a:t>
-            </a:r>
-            <a:r>
-              <a:rPr lang="pt-BR" dirty="0" err="1"/>
-              <a:t>porderia</a:t>
-            </a:r>
-            <a:r>
-              <a:rPr lang="pt-BR" dirty="0"/>
-              <a:t> ser removido;</a:t>
-            </a:r>
-          </a:p>
-          <a:p>
-            <a:pPr marL="0" indent="0">
-              <a:buNone/>
-            </a:pPr>
-            <a:r>
-              <a:rPr lang="pt-BR" dirty="0"/>
-              <a:t> 2 – A classe </a:t>
-            </a:r>
-            <a:r>
-              <a:rPr lang="pt-BR" dirty="0" err="1"/>
-              <a:t>FuncaoVamosMoovit</a:t>
-            </a:r>
-            <a:r>
-              <a:rPr lang="pt-BR" dirty="0"/>
-              <a:t>, no atributo </a:t>
-            </a:r>
-            <a:r>
-              <a:rPr lang="pt-BR" dirty="0" err="1"/>
-              <a:t>TipoTransporte</a:t>
-            </a:r>
-            <a:r>
-              <a:rPr lang="pt-BR" dirty="0"/>
-              <a:t>, poderia ser uma </a:t>
-            </a:r>
-            <a:r>
-              <a:rPr lang="pt-BR" dirty="0" err="1"/>
-              <a:t>String</a:t>
-            </a:r>
-            <a:endParaRPr lang="pt-BR" dirty="0"/>
-          </a:p>
-        </p:txBody>
-      </p:sp>
-      <p:pic>
-        <p:nvPicPr>
-          <p:cNvPr id="4" name="Imagem 3">
-            <a:extLst>
-              <a:ext uri="{FF2B5EF4-FFF2-40B4-BE49-F238E27FC236}">
-                <a16:creationId xmlns:a16="http://schemas.microsoft.com/office/drawing/2014/main" id="{CA871F91-9EAA-479C-BC41-8EE550F6FBC1}"/>
+                <a16:creationId xmlns:a16="http://schemas.microsoft.com/office/drawing/2014/main" id="{48FA33A3-DA20-432E-8EDD-DEEBA2F2D4A8}"/>
               </a:ext>
             </a:extLst>
           </p:cNvPr>
@@ -3717,8 +3632,8 @@
         </p:blipFill>
         <p:spPr>
           <a:xfrm>
-            <a:off x="557213" y="872133"/>
-            <a:ext cx="4782741" cy="4035624"/>
+            <a:off x="0" y="592931"/>
+            <a:ext cx="9144000" cy="3957638"/>
           </a:xfrm>
           <a:prstGeom prst="rect">
             <a:avLst/>
@@ -3792,10 +3707,10 @@
       </p:sp>
       <p:pic>
         <p:nvPicPr>
-          <p:cNvPr id="4" name="Imagem 3">
+          <p:cNvPr id="5" name="Imagem 4" descr="Tela de celular com texto preto sobre fundo branco&#10;&#10;Descrição gerada automaticamente">
             <a:extLst>
               <a:ext uri="{FF2B5EF4-FFF2-40B4-BE49-F238E27FC236}">
-                <a16:creationId xmlns:a16="http://schemas.microsoft.com/office/drawing/2014/main" id="{FEDEA814-8A58-4920-A20C-69DC82804639}"/>
+                <a16:creationId xmlns:a16="http://schemas.microsoft.com/office/drawing/2014/main" id="{D450FF0D-4F48-445C-A1BE-6DADA874FBAB}"/>
               </a:ext>
             </a:extLst>
           </p:cNvPr>
@@ -3804,16 +3719,15 @@
           </p:cNvPicPr>
           <p:nvPr/>
         </p:nvPicPr>
-        <p:blipFill>
+        <p:blipFill rotWithShape="1">
           <a:blip r:embed="rId2"/>
-          <a:stretch>
-            <a:fillRect/>
-          </a:stretch>
+          <a:srcRect b="18300"/>
+          <a:stretch/>
         </p:blipFill>
         <p:spPr>
           <a:xfrm>
-            <a:off x="1078460" y="654865"/>
-            <a:ext cx="6954370" cy="4444713"/>
+            <a:off x="1465544" y="783771"/>
+            <a:ext cx="6599996" cy="3717891"/>
           </a:xfrm>
           <a:prstGeom prst="rect">
             <a:avLst/>
@@ -4069,10 +3983,10 @@
       </p:sp>
       <p:pic>
         <p:nvPicPr>
-          <p:cNvPr id="3" name="Imagem 2">
+          <p:cNvPr id="7" name="Imagem 6" descr="Tela de celular com texto preto sobre fundo branco&#10;&#10;Descrição gerada automaticamente">
             <a:extLst>
               <a:ext uri="{FF2B5EF4-FFF2-40B4-BE49-F238E27FC236}">
-                <a16:creationId xmlns:a16="http://schemas.microsoft.com/office/drawing/2014/main" id="{2A0B4527-B9D8-4784-BDEC-A08C762E99A6}"/>
+                <a16:creationId xmlns:a16="http://schemas.microsoft.com/office/drawing/2014/main" id="{6A5AC687-6491-4EC3-99E7-6053AEE1DF59}"/>
               </a:ext>
             </a:extLst>
           </p:cNvPr>
@@ -4089,8 +4003,8 @@
         </p:blipFill>
         <p:spPr>
           <a:xfrm>
-            <a:off x="209163" y="1007864"/>
-            <a:ext cx="8683811" cy="3841928"/>
+            <a:off x="1030741" y="740794"/>
+            <a:ext cx="7082518" cy="3943883"/>
           </a:xfrm>
           <a:prstGeom prst="rect">
             <a:avLst/>
@@ -4164,10 +4078,10 @@
       </p:sp>
       <p:pic>
         <p:nvPicPr>
-          <p:cNvPr id="3" name="Imagem 2">
+          <p:cNvPr id="4" name="Imagem 3">
             <a:extLst>
               <a:ext uri="{FF2B5EF4-FFF2-40B4-BE49-F238E27FC236}">
-                <a16:creationId xmlns:a16="http://schemas.microsoft.com/office/drawing/2014/main" id="{E213CCE3-A048-4532-9157-6DF311607ADF}"/>
+                <a16:creationId xmlns:a16="http://schemas.microsoft.com/office/drawing/2014/main" id="{45E4CA1D-D9D6-41EB-A1A7-EAB47D9B4C65}"/>
               </a:ext>
             </a:extLst>
           </p:cNvPr>
@@ -4184,8 +4098,8 @@
         </p:blipFill>
         <p:spPr>
           <a:xfrm>
-            <a:off x="196769" y="1407205"/>
-            <a:ext cx="8750461" cy="2729644"/>
+            <a:off x="0" y="1297231"/>
+            <a:ext cx="9144000" cy="2824856"/>
           </a:xfrm>
           <a:prstGeom prst="rect">
             <a:avLst/>
